--- a/Meilenstein2.pptx
+++ b/Meilenstein2.pptx
@@ -192,7 +192,7 @@
             </a:lvl1pPr>
           </a:lstStyle>
           <a:p>
-            <a:endParaRPr lang="de-DE"/>
+            <a:endParaRPr lang="de-DE" dirty="0"/>
           </a:p>
         </p:txBody>
       </p:sp>
@@ -227,7 +227,7 @@
               <a:rPr lang="de-DE" smtClean="0"/>
               <a:t>20.05.2019</a:t>
             </a:fld>
-            <a:endParaRPr lang="de-DE"/>
+            <a:endParaRPr lang="de-DE" dirty="0"/>
           </a:p>
         </p:txBody>
       </p:sp>
@@ -260,7 +260,7 @@
           <a:bodyPr vert="horz" lIns="91440" tIns="45720" rIns="91440" bIns="45720" rtlCol="0" anchor="ctr"/>
           <a:lstStyle/>
           <a:p>
-            <a:endParaRPr lang="de-DE"/>
+            <a:endParaRPr lang="de-DE" dirty="0"/>
           </a:p>
         </p:txBody>
       </p:sp>
@@ -350,7 +350,7 @@
             </a:lvl1pPr>
           </a:lstStyle>
           <a:p>
-            <a:endParaRPr lang="de-DE"/>
+            <a:endParaRPr lang="de-DE" dirty="0"/>
           </a:p>
         </p:txBody>
       </p:sp>
@@ -385,7 +385,7 @@
               <a:rPr lang="de-DE" smtClean="0"/>
               <a:t>‹Nr.›</a:t>
             </a:fld>
-            <a:endParaRPr lang="de-DE"/>
+            <a:endParaRPr lang="de-DE" dirty="0"/>
           </a:p>
         </p:txBody>
       </p:sp>
@@ -536,34 +536,7 @@
           <a:bodyPr/>
           <a:lstStyle/>
           <a:p>
-            <a:r>
-              <a:rPr lang="de-DE" dirty="0"/>
-              <a:t> </a:t>
-            </a:r>
-            <a:r>
-              <a:rPr lang="de-DE" dirty="0" err="1"/>
-              <a:t>spatial</a:t>
-            </a:r>
-            <a:r>
-              <a:rPr lang="de-DE" dirty="0"/>
-              <a:t>-temporal </a:t>
-            </a:r>
-            <a:r>
-              <a:rPr lang="de-DE" dirty="0" err="1"/>
-              <a:t>adjacency</a:t>
-            </a:r>
-            <a:r>
-              <a:rPr lang="de-DE" dirty="0"/>
-              <a:t> </a:t>
-            </a:r>
-            <a:r>
-              <a:rPr lang="de-DE" dirty="0" err="1"/>
-              <a:t>relationship</a:t>
-            </a:r>
-            <a:r>
-              <a:rPr lang="de-DE" dirty="0"/>
-              <a:t> (STAR)</a:t>
-            </a:r>
+            <a:endParaRPr lang="de-DE" dirty="0"/>
           </a:p>
         </p:txBody>
       </p:sp>
@@ -584,16 +557,16 @@
           <a:p>
             <a:fld id="{7C3CF77E-7DB3-429A-A3F5-5B6C0564B42A}" type="slidenum">
               <a:rPr lang="de-DE" smtClean="0"/>
-              <a:t>5</a:t>
+              <a:t>1</a:t>
             </a:fld>
-            <a:endParaRPr lang="de-DE"/>
+            <a:endParaRPr lang="de-DE" dirty="0"/>
           </a:p>
         </p:txBody>
       </p:sp>
     </p:spTree>
     <p:extLst>
       <p:ext uri="{BB962C8B-B14F-4D97-AF65-F5344CB8AC3E}">
-        <p14:creationId xmlns:p14="http://schemas.microsoft.com/office/powerpoint/2010/main" val="1695407998"/>
+        <p14:creationId xmlns:p14="http://schemas.microsoft.com/office/powerpoint/2010/main" val="3642294751"/>
       </p:ext>
     </p:extLst>
   </p:cSld>
@@ -647,69 +620,7 @@
           <a:bodyPr/>
           <a:lstStyle/>
           <a:p>
-            <a:r>
-              <a:rPr lang="de-DE" dirty="0" err="1"/>
-              <a:t>Trajectory</a:t>
-            </a:r>
-            <a:r>
-              <a:rPr lang="de-DE" dirty="0"/>
-              <a:t> </a:t>
-            </a:r>
-            <a:r>
-              <a:rPr lang="de-DE" dirty="0" err="1"/>
-              <a:t>partition</a:t>
-            </a:r>
-            <a:r>
-              <a:rPr lang="de-DE" dirty="0"/>
-              <a:t>, </a:t>
-            </a:r>
-            <a:r>
-              <a:rPr lang="de-DE" dirty="0" err="1"/>
-              <a:t>location</a:t>
-            </a:r>
-            <a:r>
-              <a:rPr lang="de-DE" dirty="0"/>
-              <a:t> </a:t>
-            </a:r>
-            <a:r>
-              <a:rPr lang="de-DE" dirty="0" err="1"/>
-              <a:t>extraction</a:t>
-            </a:r>
-            <a:r>
-              <a:rPr lang="de-DE" dirty="0"/>
-              <a:t>, </a:t>
-            </a:r>
-            <a:r>
-              <a:rPr lang="de-DE" dirty="0" err="1"/>
-              <a:t>data</a:t>
-            </a:r>
-            <a:r>
-              <a:rPr lang="de-DE" dirty="0"/>
-              <a:t> </a:t>
-            </a:r>
-            <a:r>
-              <a:rPr lang="de-DE" dirty="0" err="1"/>
-              <a:t>simpliﬁcation</a:t>
-            </a:r>
             <a:endParaRPr lang="de-DE" dirty="0"/>
-          </a:p>
-          <a:p>
-            <a:r>
-              <a:rPr lang="de-DE" dirty="0" err="1"/>
-              <a:t>segment</a:t>
-            </a:r>
-            <a:r>
-              <a:rPr lang="de-DE" dirty="0"/>
-              <a:t> temporal </a:t>
-            </a:r>
-            <a:r>
-              <a:rPr lang="de-DE" dirty="0" err="1"/>
-              <a:t>sequences</a:t>
-            </a:r>
-            <a:r>
-              <a:rPr lang="de-DE" dirty="0"/>
-              <a:t> (STS)</a:t>
-            </a:r>
           </a:p>
         </p:txBody>
       </p:sp>
@@ -730,9 +641,267 @@
           <a:p>
             <a:fld id="{7C3CF77E-7DB3-429A-A3F5-5B6C0564B42A}" type="slidenum">
               <a:rPr lang="de-DE" smtClean="0"/>
+              <a:t>11</a:t>
+            </a:fld>
+            <a:endParaRPr lang="de-DE" dirty="0"/>
+          </a:p>
+        </p:txBody>
+      </p:sp>
+    </p:spTree>
+    <p:extLst>
+      <p:ext uri="{BB962C8B-B14F-4D97-AF65-F5344CB8AC3E}">
+        <p14:creationId xmlns:p14="http://schemas.microsoft.com/office/powerpoint/2010/main" val="2398855348"/>
+      </p:ext>
+    </p:extLst>
+  </p:cSld>
+  <p:clrMapOvr>
+    <a:masterClrMapping/>
+  </p:clrMapOvr>
+</p:notes>
+</file>
+
+<file path=ppt/notesSlides/notesSlide11.xml><?xml version="1.0" encoding="utf-8"?>
+<p:notes xmlns:a="http://schemas.openxmlformats.org/drawingml/2006/main" xmlns:r="http://schemas.openxmlformats.org/officeDocument/2006/relationships" xmlns:p="http://schemas.openxmlformats.org/presentationml/2006/main">
+  <p:cSld>
+    <p:spTree>
+      <p:nvGrpSpPr>
+        <p:cNvPr id="1" name=""/>
+        <p:cNvGrpSpPr/>
+        <p:nvPr/>
+      </p:nvGrpSpPr>
+      <p:grpSpPr>
+        <a:xfrm>
+          <a:off x="0" y="0"/>
+          <a:ext cx="0" cy="0"/>
+          <a:chOff x="0" y="0"/>
+          <a:chExt cx="0" cy="0"/>
+        </a:xfrm>
+      </p:grpSpPr>
+      <p:sp>
+        <p:nvSpPr>
+          <p:cNvPr id="2" name="Folienbildplatzhalter 1"/>
+          <p:cNvSpPr>
+            <a:spLocks noGrp="1" noRot="1" noChangeAspect="1"/>
+          </p:cNvSpPr>
+          <p:nvPr>
+            <p:ph type="sldImg"/>
+          </p:nvPr>
+        </p:nvSpPr>
+        <p:spPr/>
+      </p:sp>
+      <p:sp>
+        <p:nvSpPr>
+          <p:cNvPr id="3" name="Notizenplatzhalter 2"/>
+          <p:cNvSpPr>
+            <a:spLocks noGrp="1"/>
+          </p:cNvSpPr>
+          <p:nvPr>
+            <p:ph type="body" idx="1"/>
+          </p:nvPr>
+        </p:nvSpPr>
+        <p:spPr/>
+        <p:txBody>
+          <a:bodyPr/>
+          <a:lstStyle/>
+          <a:p>
+            <a:r>
+              <a:rPr lang="de-DE" dirty="0"/>
+              <a:t>Library unterstützt</a:t>
+            </a:r>
+          </a:p>
+        </p:txBody>
+      </p:sp>
+      <p:sp>
+        <p:nvSpPr>
+          <p:cNvPr id="4" name="Foliennummernplatzhalter 3"/>
+          <p:cNvSpPr>
+            <a:spLocks noGrp="1"/>
+          </p:cNvSpPr>
+          <p:nvPr>
+            <p:ph type="sldNum" sz="quarter" idx="5"/>
+          </p:nvPr>
+        </p:nvSpPr>
+        <p:spPr/>
+        <p:txBody>
+          <a:bodyPr/>
+          <a:lstStyle/>
+          <a:p>
+            <a:fld id="{7C3CF77E-7DB3-429A-A3F5-5B6C0564B42A}" type="slidenum">
+              <a:rPr lang="de-DE" smtClean="0"/>
+              <a:t>12</a:t>
+            </a:fld>
+            <a:endParaRPr lang="de-DE" dirty="0"/>
+          </a:p>
+        </p:txBody>
+      </p:sp>
+    </p:spTree>
+    <p:extLst>
+      <p:ext uri="{BB962C8B-B14F-4D97-AF65-F5344CB8AC3E}">
+        <p14:creationId xmlns:p14="http://schemas.microsoft.com/office/powerpoint/2010/main" val="2317206740"/>
+      </p:ext>
+    </p:extLst>
+  </p:cSld>
+  <p:clrMapOvr>
+    <a:masterClrMapping/>
+  </p:clrMapOvr>
+</p:notes>
+</file>
+
+<file path=ppt/notesSlides/notesSlide12.xml><?xml version="1.0" encoding="utf-8"?>
+<p:notes xmlns:a="http://schemas.openxmlformats.org/drawingml/2006/main" xmlns:r="http://schemas.openxmlformats.org/officeDocument/2006/relationships" xmlns:p="http://schemas.openxmlformats.org/presentationml/2006/main">
+  <p:cSld>
+    <p:spTree>
+      <p:nvGrpSpPr>
+        <p:cNvPr id="1" name=""/>
+        <p:cNvGrpSpPr/>
+        <p:nvPr/>
+      </p:nvGrpSpPr>
+      <p:grpSpPr>
+        <a:xfrm>
+          <a:off x="0" y="0"/>
+          <a:ext cx="0" cy="0"/>
+          <a:chOff x="0" y="0"/>
+          <a:chExt cx="0" cy="0"/>
+        </a:xfrm>
+      </p:grpSpPr>
+      <p:sp>
+        <p:nvSpPr>
+          <p:cNvPr id="2" name="Folienbildplatzhalter 1"/>
+          <p:cNvSpPr>
+            <a:spLocks noGrp="1" noRot="1" noChangeAspect="1"/>
+          </p:cNvSpPr>
+          <p:nvPr>
+            <p:ph type="sldImg"/>
+          </p:nvPr>
+        </p:nvSpPr>
+        <p:spPr/>
+      </p:sp>
+      <p:sp>
+        <p:nvSpPr>
+          <p:cNvPr id="3" name="Notizenplatzhalter 2"/>
+          <p:cNvSpPr>
+            <a:spLocks noGrp="1"/>
+          </p:cNvSpPr>
+          <p:nvPr>
+            <p:ph type="body" idx="1"/>
+          </p:nvPr>
+        </p:nvSpPr>
+        <p:spPr/>
+        <p:txBody>
+          <a:bodyPr/>
+          <a:lstStyle/>
+          <a:p>
+            <a:r>
+              <a:rPr lang="de-DE" dirty="0"/>
+              <a:t>Index-Group-Segment (IGS)</a:t>
+            </a:r>
+          </a:p>
+        </p:txBody>
+      </p:sp>
+      <p:sp>
+        <p:nvSpPr>
+          <p:cNvPr id="4" name="Foliennummernplatzhalter 3"/>
+          <p:cNvSpPr>
+            <a:spLocks noGrp="1"/>
+          </p:cNvSpPr>
+          <p:nvPr>
+            <p:ph type="sldNum" sz="quarter" idx="5"/>
+          </p:nvPr>
+        </p:nvSpPr>
+        <p:spPr/>
+        <p:txBody>
+          <a:bodyPr/>
+          <a:lstStyle/>
+          <a:p>
+            <a:fld id="{7C3CF77E-7DB3-429A-A3F5-5B6C0564B42A}" type="slidenum">
+              <a:rPr lang="de-DE" smtClean="0"/>
+              <a:t>13</a:t>
+            </a:fld>
+            <a:endParaRPr lang="de-DE" dirty="0"/>
+          </a:p>
+        </p:txBody>
+      </p:sp>
+    </p:spTree>
+    <p:extLst>
+      <p:ext uri="{BB962C8B-B14F-4D97-AF65-F5344CB8AC3E}">
+        <p14:creationId xmlns:p14="http://schemas.microsoft.com/office/powerpoint/2010/main" val="1599550522"/>
+      </p:ext>
+    </p:extLst>
+  </p:cSld>
+  <p:clrMapOvr>
+    <a:masterClrMapping/>
+  </p:clrMapOvr>
+</p:notes>
+</file>
+
+<file path=ppt/notesSlides/notesSlide13.xml><?xml version="1.0" encoding="utf-8"?>
+<p:notes xmlns:a="http://schemas.openxmlformats.org/drawingml/2006/main" xmlns:r="http://schemas.openxmlformats.org/officeDocument/2006/relationships" xmlns:p="http://schemas.openxmlformats.org/presentationml/2006/main">
+  <p:cSld>
+    <p:spTree>
+      <p:nvGrpSpPr>
+        <p:cNvPr id="1" name=""/>
+        <p:cNvGrpSpPr/>
+        <p:nvPr/>
+      </p:nvGrpSpPr>
+      <p:grpSpPr>
+        <a:xfrm>
+          <a:off x="0" y="0"/>
+          <a:ext cx="0" cy="0"/>
+          <a:chOff x="0" y="0"/>
+          <a:chExt cx="0" cy="0"/>
+        </a:xfrm>
+      </p:grpSpPr>
+      <p:sp>
+        <p:nvSpPr>
+          <p:cNvPr id="2" name="Folienbildplatzhalter 1"/>
+          <p:cNvSpPr>
+            <a:spLocks noGrp="1" noRot="1" noChangeAspect="1"/>
+          </p:cNvSpPr>
+          <p:nvPr>
+            <p:ph type="sldImg"/>
+          </p:nvPr>
+        </p:nvSpPr>
+        <p:spPr/>
+      </p:sp>
+      <p:sp>
+        <p:nvSpPr>
+          <p:cNvPr id="3" name="Notizenplatzhalter 2"/>
+          <p:cNvSpPr>
+            <a:spLocks noGrp="1"/>
+          </p:cNvSpPr>
+          <p:nvPr>
+            <p:ph type="body" idx="1"/>
+          </p:nvPr>
+        </p:nvSpPr>
+        <p:spPr/>
+        <p:txBody>
+          <a:bodyPr/>
+          <a:lstStyle/>
+          <a:p>
+            <a:endParaRPr lang="de-DE" dirty="0"/>
+          </a:p>
+        </p:txBody>
+      </p:sp>
+      <p:sp>
+        <p:nvSpPr>
+          <p:cNvPr id="4" name="Foliennummernplatzhalter 3"/>
+          <p:cNvSpPr>
+            <a:spLocks noGrp="1"/>
+          </p:cNvSpPr>
+          <p:nvPr>
+            <p:ph type="sldNum" sz="quarter" idx="5"/>
+          </p:nvPr>
+        </p:nvSpPr>
+        <p:spPr/>
+        <p:txBody>
+          <a:bodyPr/>
+          <a:lstStyle/>
+          <a:p>
+            <a:fld id="{7C3CF77E-7DB3-429A-A3F5-5B6C0564B42A}" type="slidenum">
+              <a:rPr lang="de-DE" smtClean="0"/>
               <a:t>14</a:t>
             </a:fld>
-            <a:endParaRPr lang="de-DE"/>
+            <a:endParaRPr lang="de-DE" dirty="0"/>
           </a:p>
         </p:txBody>
       </p:sp>
@@ -794,67 +963,8 @@
           <a:lstStyle/>
           <a:p>
             <a:r>
-              <a:rPr lang="de-DE" dirty="0" err="1"/>
-              <a:t>Trajectory</a:t>
-            </a:r>
-            <a:r>
               <a:rPr lang="de-DE" dirty="0"/>
-              <a:t> </a:t>
-            </a:r>
-            <a:r>
-              <a:rPr lang="de-DE" dirty="0" err="1"/>
-              <a:t>partition</a:t>
-            </a:r>
-            <a:r>
-              <a:rPr lang="de-DE" dirty="0"/>
-              <a:t>, </a:t>
-            </a:r>
-            <a:r>
-              <a:rPr lang="de-DE" dirty="0" err="1"/>
-              <a:t>location</a:t>
-            </a:r>
-            <a:r>
-              <a:rPr lang="de-DE" dirty="0"/>
-              <a:t> </a:t>
-            </a:r>
-            <a:r>
-              <a:rPr lang="de-DE" dirty="0" err="1"/>
-              <a:t>extraction</a:t>
-            </a:r>
-            <a:r>
-              <a:rPr lang="de-DE" dirty="0"/>
-              <a:t>, </a:t>
-            </a:r>
-            <a:r>
-              <a:rPr lang="de-DE" dirty="0" err="1"/>
-              <a:t>data</a:t>
-            </a:r>
-            <a:r>
-              <a:rPr lang="de-DE" dirty="0"/>
-              <a:t> </a:t>
-            </a:r>
-            <a:r>
-              <a:rPr lang="de-DE" dirty="0" err="1"/>
-              <a:t>simpliﬁcation</a:t>
-            </a:r>
-            <a:endParaRPr lang="de-DE" dirty="0"/>
-          </a:p>
-          <a:p>
-            <a:r>
-              <a:rPr lang="de-DE" dirty="0" err="1"/>
-              <a:t>segment</a:t>
-            </a:r>
-            <a:r>
-              <a:rPr lang="de-DE" dirty="0"/>
-              <a:t> temporal </a:t>
-            </a:r>
-            <a:r>
-              <a:rPr lang="de-DE" dirty="0" err="1"/>
-              <a:t>sequences</a:t>
-            </a:r>
-            <a:r>
-              <a:rPr lang="de-DE" dirty="0"/>
-              <a:t> (STS)</a:t>
+              <a:t>Weitere Vorgehen</a:t>
             </a:r>
           </a:p>
         </p:txBody>
@@ -876,16 +986,16 @@
           <a:p>
             <a:fld id="{7C3CF77E-7DB3-429A-A3F5-5B6C0564B42A}" type="slidenum">
               <a:rPr lang="de-DE" smtClean="0"/>
-              <a:t>6</a:t>
+              <a:t>2</a:t>
             </a:fld>
-            <a:endParaRPr lang="de-DE"/>
+            <a:endParaRPr lang="de-DE" dirty="0"/>
           </a:p>
         </p:txBody>
       </p:sp>
     </p:spTree>
     <p:extLst>
       <p:ext uri="{BB962C8B-B14F-4D97-AF65-F5344CB8AC3E}">
-        <p14:creationId xmlns:p14="http://schemas.microsoft.com/office/powerpoint/2010/main" val="574025281"/>
+        <p14:creationId xmlns:p14="http://schemas.microsoft.com/office/powerpoint/2010/main" val="111439757"/>
       </p:ext>
     </p:extLst>
   </p:cSld>
@@ -940,67 +1050,8 @@
           <a:lstStyle/>
           <a:p>
             <a:r>
-              <a:rPr lang="de-DE" dirty="0" err="1"/>
-              <a:t>Trajectory</a:t>
-            </a:r>
-            <a:r>
               <a:rPr lang="de-DE" dirty="0"/>
-              <a:t> </a:t>
-            </a:r>
-            <a:r>
-              <a:rPr lang="de-DE" dirty="0" err="1"/>
-              <a:t>partition</a:t>
-            </a:r>
-            <a:r>
-              <a:rPr lang="de-DE" dirty="0"/>
-              <a:t>, </a:t>
-            </a:r>
-            <a:r>
-              <a:rPr lang="de-DE" dirty="0" err="1"/>
-              <a:t>location</a:t>
-            </a:r>
-            <a:r>
-              <a:rPr lang="de-DE" dirty="0"/>
-              <a:t> </a:t>
-            </a:r>
-            <a:r>
-              <a:rPr lang="de-DE" dirty="0" err="1"/>
-              <a:t>extraction</a:t>
-            </a:r>
-            <a:r>
-              <a:rPr lang="de-DE" dirty="0"/>
-              <a:t>, </a:t>
-            </a:r>
-            <a:r>
-              <a:rPr lang="de-DE" dirty="0" err="1"/>
-              <a:t>data</a:t>
-            </a:r>
-            <a:r>
-              <a:rPr lang="de-DE" dirty="0"/>
-              <a:t> </a:t>
-            </a:r>
-            <a:r>
-              <a:rPr lang="de-DE" dirty="0" err="1"/>
-              <a:t>simpliﬁcation</a:t>
-            </a:r>
-            <a:endParaRPr lang="de-DE" dirty="0"/>
-          </a:p>
-          <a:p>
-            <a:r>
-              <a:rPr lang="de-DE" dirty="0" err="1"/>
-              <a:t>segment</a:t>
-            </a:r>
-            <a:r>
-              <a:rPr lang="de-DE" dirty="0"/>
-              <a:t> temporal </a:t>
-            </a:r>
-            <a:r>
-              <a:rPr lang="de-DE" dirty="0" err="1"/>
-              <a:t>sequences</a:t>
-            </a:r>
-            <a:r>
-              <a:rPr lang="de-DE" dirty="0"/>
-              <a:t> (STS)</a:t>
+              <a:t>2 GB CSV Datei</a:t>
             </a:r>
           </a:p>
         </p:txBody>
@@ -1022,16 +1073,16 @@
           <a:p>
             <a:fld id="{7C3CF77E-7DB3-429A-A3F5-5B6C0564B42A}" type="slidenum">
               <a:rPr lang="de-DE" smtClean="0"/>
-              <a:t>7</a:t>
+              <a:t>4</a:t>
             </a:fld>
-            <a:endParaRPr lang="de-DE"/>
+            <a:endParaRPr lang="de-DE" dirty="0"/>
           </a:p>
         </p:txBody>
       </p:sp>
     </p:spTree>
     <p:extLst>
       <p:ext uri="{BB962C8B-B14F-4D97-AF65-F5344CB8AC3E}">
-        <p14:creationId xmlns:p14="http://schemas.microsoft.com/office/powerpoint/2010/main" val="2790537247"/>
+        <p14:creationId xmlns:p14="http://schemas.microsoft.com/office/powerpoint/2010/main" val="1723459054"/>
       </p:ext>
     </p:extLst>
   </p:cSld>
@@ -1086,67 +1137,14 @@
           <a:lstStyle/>
           <a:p>
             <a:r>
-              <a:rPr lang="de-DE" dirty="0" err="1"/>
-              <a:t>Trajectory</a:t>
+              <a:rPr lang="de-DE" dirty="0"/>
+              <a:t>Pandas: Datenrepräsentation</a:t>
             </a:r>
+          </a:p>
+          <a:p>
             <a:r>
               <a:rPr lang="de-DE" dirty="0"/>
-              <a:t> </a:t>
-            </a:r>
-            <a:r>
-              <a:rPr lang="de-DE" dirty="0" err="1"/>
-              <a:t>partition</a:t>
-            </a:r>
-            <a:r>
-              <a:rPr lang="de-DE" dirty="0"/>
-              <a:t>, </a:t>
-            </a:r>
-            <a:r>
-              <a:rPr lang="de-DE" dirty="0" err="1"/>
-              <a:t>location</a:t>
-            </a:r>
-            <a:r>
-              <a:rPr lang="de-DE" dirty="0"/>
-              <a:t> </a:t>
-            </a:r>
-            <a:r>
-              <a:rPr lang="de-DE" dirty="0" err="1"/>
-              <a:t>extraction</a:t>
-            </a:r>
-            <a:r>
-              <a:rPr lang="de-DE" dirty="0"/>
-              <a:t>, </a:t>
-            </a:r>
-            <a:r>
-              <a:rPr lang="de-DE" dirty="0" err="1"/>
-              <a:t>data</a:t>
-            </a:r>
-            <a:r>
-              <a:rPr lang="de-DE" dirty="0"/>
-              <a:t> </a:t>
-            </a:r>
-            <a:r>
-              <a:rPr lang="de-DE" dirty="0" err="1"/>
-              <a:t>simpliﬁcation</a:t>
-            </a:r>
-            <a:endParaRPr lang="de-DE" dirty="0"/>
-          </a:p>
-          <a:p>
-            <a:r>
-              <a:rPr lang="de-DE" dirty="0" err="1"/>
-              <a:t>segment</a:t>
-            </a:r>
-            <a:r>
-              <a:rPr lang="de-DE" dirty="0"/>
-              <a:t> temporal </a:t>
-            </a:r>
-            <a:r>
-              <a:rPr lang="de-DE" dirty="0" err="1"/>
-              <a:t>sequences</a:t>
-            </a:r>
-            <a:r>
-              <a:rPr lang="de-DE" dirty="0"/>
-              <a:t> (STS)</a:t>
+              <a:t>Mathplotlib: Visualisierung einzelner Routen (nur Zwischenschritt)</a:t>
             </a:r>
           </a:p>
         </p:txBody>
@@ -1168,16 +1166,16 @@
           <a:p>
             <a:fld id="{7C3CF77E-7DB3-429A-A3F5-5B6C0564B42A}" type="slidenum">
               <a:rPr lang="de-DE" smtClean="0"/>
-              <a:t>8</a:t>
+              <a:t>5</a:t>
             </a:fld>
-            <a:endParaRPr lang="de-DE"/>
+            <a:endParaRPr lang="de-DE" dirty="0"/>
           </a:p>
         </p:txBody>
       </p:sp>
     </p:spTree>
     <p:extLst>
       <p:ext uri="{BB962C8B-B14F-4D97-AF65-F5344CB8AC3E}">
-        <p14:creationId xmlns:p14="http://schemas.microsoft.com/office/powerpoint/2010/main" val="1936762229"/>
+        <p14:creationId xmlns:p14="http://schemas.microsoft.com/office/powerpoint/2010/main" val="1695407998"/>
       </p:ext>
     </p:extLst>
   </p:cSld>
@@ -1231,69 +1229,7 @@
           <a:bodyPr/>
           <a:lstStyle/>
           <a:p>
-            <a:r>
-              <a:rPr lang="de-DE" dirty="0" err="1"/>
-              <a:t>Trajectory</a:t>
-            </a:r>
-            <a:r>
-              <a:rPr lang="de-DE" dirty="0"/>
-              <a:t> </a:t>
-            </a:r>
-            <a:r>
-              <a:rPr lang="de-DE" dirty="0" err="1"/>
-              <a:t>partition</a:t>
-            </a:r>
-            <a:r>
-              <a:rPr lang="de-DE" dirty="0"/>
-              <a:t>, </a:t>
-            </a:r>
-            <a:r>
-              <a:rPr lang="de-DE" dirty="0" err="1"/>
-              <a:t>location</a:t>
-            </a:r>
-            <a:r>
-              <a:rPr lang="de-DE" dirty="0"/>
-              <a:t> </a:t>
-            </a:r>
-            <a:r>
-              <a:rPr lang="de-DE" dirty="0" err="1"/>
-              <a:t>extraction</a:t>
-            </a:r>
-            <a:r>
-              <a:rPr lang="de-DE" dirty="0"/>
-              <a:t>, </a:t>
-            </a:r>
-            <a:r>
-              <a:rPr lang="de-DE" dirty="0" err="1"/>
-              <a:t>data</a:t>
-            </a:r>
-            <a:r>
-              <a:rPr lang="de-DE" dirty="0"/>
-              <a:t> </a:t>
-            </a:r>
-            <a:r>
-              <a:rPr lang="de-DE" dirty="0" err="1"/>
-              <a:t>simpliﬁcation</a:t>
-            </a:r>
             <a:endParaRPr lang="de-DE" dirty="0"/>
-          </a:p>
-          <a:p>
-            <a:r>
-              <a:rPr lang="de-DE" dirty="0" err="1"/>
-              <a:t>segment</a:t>
-            </a:r>
-            <a:r>
-              <a:rPr lang="de-DE" dirty="0"/>
-              <a:t> temporal </a:t>
-            </a:r>
-            <a:r>
-              <a:rPr lang="de-DE" dirty="0" err="1"/>
-              <a:t>sequences</a:t>
-            </a:r>
-            <a:r>
-              <a:rPr lang="de-DE" dirty="0"/>
-              <a:t> (STS)</a:t>
-            </a:r>
           </a:p>
         </p:txBody>
       </p:sp>
@@ -1314,16 +1250,16 @@
           <a:p>
             <a:fld id="{7C3CF77E-7DB3-429A-A3F5-5B6C0564B42A}" type="slidenum">
               <a:rPr lang="de-DE" smtClean="0"/>
-              <a:t>9</a:t>
+              <a:t>6</a:t>
             </a:fld>
-            <a:endParaRPr lang="de-DE"/>
+            <a:endParaRPr lang="de-DE" dirty="0"/>
           </a:p>
         </p:txBody>
       </p:sp>
     </p:spTree>
     <p:extLst>
       <p:ext uri="{BB962C8B-B14F-4D97-AF65-F5344CB8AC3E}">
-        <p14:creationId xmlns:p14="http://schemas.microsoft.com/office/powerpoint/2010/main" val="1709270638"/>
+        <p14:creationId xmlns:p14="http://schemas.microsoft.com/office/powerpoint/2010/main" val="574025281"/>
       </p:ext>
     </p:extLst>
   </p:cSld>
@@ -1377,69 +1313,7 @@
           <a:bodyPr/>
           <a:lstStyle/>
           <a:p>
-            <a:r>
-              <a:rPr lang="de-DE" dirty="0" err="1"/>
-              <a:t>Trajectory</a:t>
-            </a:r>
-            <a:r>
-              <a:rPr lang="de-DE" dirty="0"/>
-              <a:t> </a:t>
-            </a:r>
-            <a:r>
-              <a:rPr lang="de-DE" dirty="0" err="1"/>
-              <a:t>partition</a:t>
-            </a:r>
-            <a:r>
-              <a:rPr lang="de-DE" dirty="0"/>
-              <a:t>, </a:t>
-            </a:r>
-            <a:r>
-              <a:rPr lang="de-DE" dirty="0" err="1"/>
-              <a:t>location</a:t>
-            </a:r>
-            <a:r>
-              <a:rPr lang="de-DE" dirty="0"/>
-              <a:t> </a:t>
-            </a:r>
-            <a:r>
-              <a:rPr lang="de-DE" dirty="0" err="1"/>
-              <a:t>extraction</a:t>
-            </a:r>
-            <a:r>
-              <a:rPr lang="de-DE" dirty="0"/>
-              <a:t>, </a:t>
-            </a:r>
-            <a:r>
-              <a:rPr lang="de-DE" dirty="0" err="1"/>
-              <a:t>data</a:t>
-            </a:r>
-            <a:r>
-              <a:rPr lang="de-DE" dirty="0"/>
-              <a:t> </a:t>
-            </a:r>
-            <a:r>
-              <a:rPr lang="de-DE" dirty="0" err="1"/>
-              <a:t>simpliﬁcation</a:t>
-            </a:r>
             <a:endParaRPr lang="de-DE" dirty="0"/>
-          </a:p>
-          <a:p>
-            <a:r>
-              <a:rPr lang="de-DE" dirty="0" err="1"/>
-              <a:t>segment</a:t>
-            </a:r>
-            <a:r>
-              <a:rPr lang="de-DE" dirty="0"/>
-              <a:t> temporal </a:t>
-            </a:r>
-            <a:r>
-              <a:rPr lang="de-DE" dirty="0" err="1"/>
-              <a:t>sequences</a:t>
-            </a:r>
-            <a:r>
-              <a:rPr lang="de-DE" dirty="0"/>
-              <a:t> (STS)</a:t>
-            </a:r>
           </a:p>
         </p:txBody>
       </p:sp>
@@ -1460,16 +1334,16 @@
           <a:p>
             <a:fld id="{7C3CF77E-7DB3-429A-A3F5-5B6C0564B42A}" type="slidenum">
               <a:rPr lang="de-DE" smtClean="0"/>
-              <a:t>10</a:t>
+              <a:t>7</a:t>
             </a:fld>
-            <a:endParaRPr lang="de-DE"/>
+            <a:endParaRPr lang="de-DE" dirty="0"/>
           </a:p>
         </p:txBody>
       </p:sp>
     </p:spTree>
     <p:extLst>
       <p:ext uri="{BB962C8B-B14F-4D97-AF65-F5344CB8AC3E}">
-        <p14:creationId xmlns:p14="http://schemas.microsoft.com/office/powerpoint/2010/main" val="4006753584"/>
+        <p14:creationId xmlns:p14="http://schemas.microsoft.com/office/powerpoint/2010/main" val="2790537247"/>
       </p:ext>
     </p:extLst>
   </p:cSld>
@@ -1523,34 +1397,7 @@
           <a:bodyPr/>
           <a:lstStyle/>
           <a:p>
-            <a:r>
-              <a:rPr lang="de-DE" dirty="0"/>
-              <a:t> </a:t>
-            </a:r>
-            <a:r>
-              <a:rPr lang="de-DE" dirty="0" err="1"/>
-              <a:t>spatial</a:t>
-            </a:r>
-            <a:r>
-              <a:rPr lang="de-DE" dirty="0"/>
-              <a:t>-temporal </a:t>
-            </a:r>
-            <a:r>
-              <a:rPr lang="de-DE" dirty="0" err="1"/>
-              <a:t>adjacency</a:t>
-            </a:r>
-            <a:r>
-              <a:rPr lang="de-DE" dirty="0"/>
-              <a:t> </a:t>
-            </a:r>
-            <a:r>
-              <a:rPr lang="de-DE" dirty="0" err="1"/>
-              <a:t>relationship</a:t>
-            </a:r>
-            <a:r>
-              <a:rPr lang="de-DE" dirty="0"/>
-              <a:t> (STAR)</a:t>
-            </a:r>
+            <a:endParaRPr lang="de-DE" dirty="0"/>
           </a:p>
         </p:txBody>
       </p:sp>
@@ -1571,16 +1418,16 @@
           <a:p>
             <a:fld id="{7C3CF77E-7DB3-429A-A3F5-5B6C0564B42A}" type="slidenum">
               <a:rPr lang="de-DE" smtClean="0"/>
-              <a:t>11</a:t>
+              <a:t>8</a:t>
             </a:fld>
-            <a:endParaRPr lang="de-DE"/>
+            <a:endParaRPr lang="de-DE" dirty="0"/>
           </a:p>
         </p:txBody>
       </p:sp>
     </p:spTree>
     <p:extLst>
       <p:ext uri="{BB962C8B-B14F-4D97-AF65-F5344CB8AC3E}">
-        <p14:creationId xmlns:p14="http://schemas.microsoft.com/office/powerpoint/2010/main" val="2398855348"/>
+        <p14:creationId xmlns:p14="http://schemas.microsoft.com/office/powerpoint/2010/main" val="1936762229"/>
       </p:ext>
     </p:extLst>
   </p:cSld>
@@ -1634,34 +1481,7 @@
           <a:bodyPr/>
           <a:lstStyle/>
           <a:p>
-            <a:r>
-              <a:rPr lang="de-DE" dirty="0"/>
-              <a:t> </a:t>
-            </a:r>
-            <a:r>
-              <a:rPr lang="de-DE" dirty="0" err="1"/>
-              <a:t>spatial</a:t>
-            </a:r>
-            <a:r>
-              <a:rPr lang="de-DE" dirty="0"/>
-              <a:t>-temporal </a:t>
-            </a:r>
-            <a:r>
-              <a:rPr lang="de-DE" dirty="0" err="1"/>
-              <a:t>adjacency</a:t>
-            </a:r>
-            <a:r>
-              <a:rPr lang="de-DE" dirty="0"/>
-              <a:t> </a:t>
-            </a:r>
-            <a:r>
-              <a:rPr lang="de-DE" dirty="0" err="1"/>
-              <a:t>relationship</a:t>
-            </a:r>
-            <a:r>
-              <a:rPr lang="de-DE" dirty="0"/>
-              <a:t> (STAR)</a:t>
-            </a:r>
+            <a:endParaRPr lang="de-DE" dirty="0"/>
           </a:p>
         </p:txBody>
       </p:sp>
@@ -1682,16 +1502,16 @@
           <a:p>
             <a:fld id="{7C3CF77E-7DB3-429A-A3F5-5B6C0564B42A}" type="slidenum">
               <a:rPr lang="de-DE" smtClean="0"/>
-              <a:t>12</a:t>
+              <a:t>9</a:t>
             </a:fld>
-            <a:endParaRPr lang="de-DE"/>
+            <a:endParaRPr lang="de-DE" dirty="0"/>
           </a:p>
         </p:txBody>
       </p:sp>
     </p:spTree>
     <p:extLst>
       <p:ext uri="{BB962C8B-B14F-4D97-AF65-F5344CB8AC3E}">
-        <p14:creationId xmlns:p14="http://schemas.microsoft.com/office/powerpoint/2010/main" val="2317206740"/>
+        <p14:creationId xmlns:p14="http://schemas.microsoft.com/office/powerpoint/2010/main" val="1709270638"/>
       </p:ext>
     </p:extLst>
   </p:cSld>
@@ -1746,67 +1566,8 @@
           <a:lstStyle/>
           <a:p>
             <a:r>
-              <a:rPr lang="de-DE" dirty="0" err="1"/>
-              <a:t>Trajectory</a:t>
-            </a:r>
-            <a:r>
               <a:rPr lang="de-DE" dirty="0"/>
-              <a:t> </a:t>
-            </a:r>
-            <a:r>
-              <a:rPr lang="de-DE" dirty="0" err="1"/>
-              <a:t>partition</a:t>
-            </a:r>
-            <a:r>
-              <a:rPr lang="de-DE" dirty="0"/>
-              <a:t>, </a:t>
-            </a:r>
-            <a:r>
-              <a:rPr lang="de-DE" dirty="0" err="1"/>
-              <a:t>location</a:t>
-            </a:r>
-            <a:r>
-              <a:rPr lang="de-DE" dirty="0"/>
-              <a:t> </a:t>
-            </a:r>
-            <a:r>
-              <a:rPr lang="de-DE" dirty="0" err="1"/>
-              <a:t>extraction</a:t>
-            </a:r>
-            <a:r>
-              <a:rPr lang="de-DE" dirty="0"/>
-              <a:t>, </a:t>
-            </a:r>
-            <a:r>
-              <a:rPr lang="de-DE" dirty="0" err="1"/>
-              <a:t>data</a:t>
-            </a:r>
-            <a:r>
-              <a:rPr lang="de-DE" dirty="0"/>
-              <a:t> </a:t>
-            </a:r>
-            <a:r>
-              <a:rPr lang="de-DE" dirty="0" err="1"/>
-              <a:t>simpliﬁcation</a:t>
-            </a:r>
-            <a:endParaRPr lang="de-DE" dirty="0"/>
-          </a:p>
-          <a:p>
-            <a:r>
-              <a:rPr lang="de-DE" dirty="0" err="1"/>
-              <a:t>segment</a:t>
-            </a:r>
-            <a:r>
-              <a:rPr lang="de-DE" dirty="0"/>
-              <a:t> temporal </a:t>
-            </a:r>
-            <a:r>
-              <a:rPr lang="de-DE" dirty="0" err="1"/>
-              <a:t>sequences</a:t>
-            </a:r>
-            <a:r>
-              <a:rPr lang="de-DE" dirty="0"/>
-              <a:t> (STS)</a:t>
+              <a:t>common segment temporal sequence (STS)</a:t>
             </a:r>
           </a:p>
         </p:txBody>
@@ -1828,16 +1589,16 @@
           <a:p>
             <a:fld id="{7C3CF77E-7DB3-429A-A3F5-5B6C0564B42A}" type="slidenum">
               <a:rPr lang="de-DE" smtClean="0"/>
-              <a:t>13</a:t>
+              <a:t>10</a:t>
             </a:fld>
-            <a:endParaRPr lang="de-DE"/>
+            <a:endParaRPr lang="de-DE" dirty="0"/>
           </a:p>
         </p:txBody>
       </p:sp>
     </p:spTree>
     <p:extLst>
       <p:ext uri="{BB962C8B-B14F-4D97-AF65-F5344CB8AC3E}">
-        <p14:creationId xmlns:p14="http://schemas.microsoft.com/office/powerpoint/2010/main" val="1599550522"/>
+        <p14:creationId xmlns:p14="http://schemas.microsoft.com/office/powerpoint/2010/main" val="4006753584"/>
       </p:ext>
     </p:extLst>
   </p:cSld>
@@ -1993,10 +1754,9 @@
           <a:lstStyle/>
           <a:p>
             <a:r>
-              <a:rPr lang="de-DE"/>
+              <a:rPr lang="de-DE" dirty="0"/>
               <a:t>Frequent Route Mining - DBPRO 2019</a:t>
             </a:r>
-            <a:endParaRPr lang="de-DE" dirty="0"/>
           </a:p>
         </p:txBody>
       </p:sp>
@@ -2022,7 +1782,7 @@
           <a:lstStyle/>
           <a:p>
             <a:r>
-              <a:rPr lang="de-DE"/>
+              <a:rPr lang="de-DE" dirty="0"/>
               <a:t>20.05.2019</a:t>
             </a:r>
           </a:p>
@@ -2053,7 +1813,7 @@
               <a:rPr lang="de-DE" smtClean="0"/>
               <a:t>‹Nr.›</a:t>
             </a:fld>
-            <a:endParaRPr lang="de-DE"/>
+            <a:endParaRPr lang="de-DE" dirty="0"/>
           </a:p>
         </p:txBody>
       </p:sp>
@@ -2194,7 +1954,7 @@
           <a:lstStyle/>
           <a:p>
             <a:r>
-              <a:rPr lang="de-DE"/>
+              <a:rPr lang="de-DE" dirty="0"/>
               <a:t>Frequent Route Mining - DBPRO 2019</a:t>
             </a:r>
           </a:p>
@@ -2222,7 +1982,7 @@
           <a:lstStyle/>
           <a:p>
             <a:r>
-              <a:rPr lang="de-DE"/>
+              <a:rPr lang="de-DE" dirty="0"/>
               <a:t>20.05.2019</a:t>
             </a:r>
           </a:p>
@@ -2253,7 +2013,7 @@
               <a:rPr lang="de-DE" smtClean="0"/>
               <a:t>‹Nr.›</a:t>
             </a:fld>
-            <a:endParaRPr lang="de-DE"/>
+            <a:endParaRPr lang="de-DE" dirty="0"/>
           </a:p>
         </p:txBody>
       </p:sp>
@@ -2404,7 +2164,7 @@
           <a:lstStyle/>
           <a:p>
             <a:r>
-              <a:rPr lang="de-DE"/>
+              <a:rPr lang="de-DE" dirty="0"/>
               <a:t>Frequent Route Mining - DBPRO 2019</a:t>
             </a:r>
           </a:p>
@@ -2432,7 +2192,7 @@
           <a:lstStyle/>
           <a:p>
             <a:r>
-              <a:rPr lang="de-DE"/>
+              <a:rPr lang="de-DE" dirty="0"/>
               <a:t>20.05.2019</a:t>
             </a:r>
           </a:p>
@@ -2463,7 +2223,7 @@
               <a:rPr lang="de-DE" smtClean="0"/>
               <a:t>‹Nr.›</a:t>
             </a:fld>
-            <a:endParaRPr lang="de-DE"/>
+            <a:endParaRPr lang="de-DE" dirty="0"/>
           </a:p>
         </p:txBody>
       </p:sp>
@@ -2647,10 +2407,9 @@
           </a:lstStyle>
           <a:p>
             <a:r>
-              <a:rPr lang="de-DE"/>
+              <a:rPr lang="de-DE" dirty="0"/>
               <a:t>Frequent Route Mining - DBPRO 2019</a:t>
             </a:r>
-            <a:endParaRPr lang="de-DE" dirty="0"/>
           </a:p>
         </p:txBody>
       </p:sp>
@@ -2688,10 +2447,9 @@
           </a:lstStyle>
           <a:p>
             <a:r>
-              <a:rPr lang="de-DE"/>
+              <a:rPr lang="de-DE" dirty="0"/>
               <a:t>20.05.2019</a:t>
             </a:r>
-            <a:endParaRPr lang="de-DE" dirty="0"/>
           </a:p>
         </p:txBody>
       </p:sp>
@@ -2949,7 +2707,7 @@
           <a:lstStyle/>
           <a:p>
             <a:r>
-              <a:rPr lang="de-DE"/>
+              <a:rPr lang="de-DE" dirty="0"/>
               <a:t>Frequent Route Mining - DBPRO 2019</a:t>
             </a:r>
           </a:p>
@@ -2977,7 +2735,7 @@
           <a:lstStyle/>
           <a:p>
             <a:r>
-              <a:rPr lang="de-DE"/>
+              <a:rPr lang="de-DE" dirty="0"/>
               <a:t>20.05.2019</a:t>
             </a:r>
           </a:p>
@@ -3008,7 +2766,7 @@
               <a:rPr lang="de-DE" smtClean="0"/>
               <a:t>‹Nr.›</a:t>
             </a:fld>
-            <a:endParaRPr lang="de-DE"/>
+            <a:endParaRPr lang="de-DE" dirty="0"/>
           </a:p>
         </p:txBody>
       </p:sp>
@@ -3216,7 +2974,7 @@
           <a:lstStyle/>
           <a:p>
             <a:r>
-              <a:rPr lang="de-DE"/>
+              <a:rPr lang="de-DE" dirty="0"/>
               <a:t>Frequent Route Mining - DBPRO 2019</a:t>
             </a:r>
           </a:p>
@@ -3244,7 +3002,7 @@
           <a:lstStyle/>
           <a:p>
             <a:r>
-              <a:rPr lang="de-DE"/>
+              <a:rPr lang="de-DE" dirty="0"/>
               <a:t>20.05.2019</a:t>
             </a:r>
           </a:p>
@@ -3275,7 +3033,7 @@
               <a:rPr lang="de-DE" smtClean="0"/>
               <a:t>‹Nr.›</a:t>
             </a:fld>
-            <a:endParaRPr lang="de-DE"/>
+            <a:endParaRPr lang="de-DE" dirty="0"/>
           </a:p>
         </p:txBody>
       </p:sp>
@@ -3630,7 +3388,7 @@
           <a:lstStyle/>
           <a:p>
             <a:r>
-              <a:rPr lang="de-DE"/>
+              <a:rPr lang="de-DE" dirty="0"/>
               <a:t>Frequent Route Mining - DBPRO 2019</a:t>
             </a:r>
           </a:p>
@@ -3658,7 +3416,7 @@
           <a:lstStyle/>
           <a:p>
             <a:r>
-              <a:rPr lang="de-DE"/>
+              <a:rPr lang="de-DE" dirty="0"/>
               <a:t>20.05.2019</a:t>
             </a:r>
           </a:p>
@@ -3689,7 +3447,7 @@
               <a:rPr lang="de-DE" smtClean="0"/>
               <a:t>‹Nr.›</a:t>
             </a:fld>
-            <a:endParaRPr lang="de-DE"/>
+            <a:endParaRPr lang="de-DE" dirty="0"/>
           </a:p>
         </p:txBody>
       </p:sp>
@@ -3773,7 +3531,7 @@
           <a:lstStyle/>
           <a:p>
             <a:r>
-              <a:rPr lang="de-DE"/>
+              <a:rPr lang="de-DE" dirty="0"/>
               <a:t>Frequent Route Mining - DBPRO 2019</a:t>
             </a:r>
           </a:p>
@@ -3801,7 +3559,7 @@
           <a:lstStyle/>
           <a:p>
             <a:r>
-              <a:rPr lang="de-DE"/>
+              <a:rPr lang="de-DE" dirty="0"/>
               <a:t>20.05.2019</a:t>
             </a:r>
           </a:p>
@@ -3832,7 +3590,7 @@
               <a:rPr lang="de-DE" smtClean="0"/>
               <a:t>‹Nr.›</a:t>
             </a:fld>
-            <a:endParaRPr lang="de-DE"/>
+            <a:endParaRPr lang="de-DE" dirty="0"/>
           </a:p>
         </p:txBody>
       </p:sp>
@@ -3888,7 +3646,7 @@
           <a:lstStyle/>
           <a:p>
             <a:r>
-              <a:rPr lang="de-DE"/>
+              <a:rPr lang="de-DE" dirty="0"/>
               <a:t>Frequent Route Mining - DBPRO 2019</a:t>
             </a:r>
           </a:p>
@@ -3916,7 +3674,7 @@
           <a:lstStyle/>
           <a:p>
             <a:r>
-              <a:rPr lang="de-DE"/>
+              <a:rPr lang="de-DE" dirty="0"/>
               <a:t>20.05.2019</a:t>
             </a:r>
           </a:p>
@@ -3947,7 +3705,7 @@
               <a:rPr lang="de-DE" smtClean="0"/>
               <a:t>‹Nr.›</a:t>
             </a:fld>
-            <a:endParaRPr lang="de-DE"/>
+            <a:endParaRPr lang="de-DE" dirty="0"/>
           </a:p>
         </p:txBody>
       </p:sp>
@@ -4201,7 +3959,7 @@
           <a:lstStyle/>
           <a:p>
             <a:r>
-              <a:rPr lang="de-DE"/>
+              <a:rPr lang="de-DE" dirty="0"/>
               <a:t>Frequent Route Mining - DBPRO 2019</a:t>
             </a:r>
           </a:p>
@@ -4229,7 +3987,7 @@
           <a:lstStyle/>
           <a:p>
             <a:r>
-              <a:rPr lang="de-DE"/>
+              <a:rPr lang="de-DE" dirty="0"/>
               <a:t>20.05.2019</a:t>
             </a:r>
           </a:p>
@@ -4260,7 +4018,7 @@
               <a:rPr lang="de-DE" smtClean="0"/>
               <a:t>‹Nr.›</a:t>
             </a:fld>
-            <a:endParaRPr lang="de-DE"/>
+            <a:endParaRPr lang="de-DE" dirty="0"/>
           </a:p>
         </p:txBody>
       </p:sp>
@@ -4394,7 +4152,7 @@
             </a:lvl9pPr>
           </a:lstStyle>
           <a:p>
-            <a:endParaRPr lang="de-DE"/>
+            <a:endParaRPr lang="de-DE" dirty="0"/>
           </a:p>
         </p:txBody>
       </p:sp>
@@ -4491,7 +4249,7 @@
           <a:lstStyle/>
           <a:p>
             <a:r>
-              <a:rPr lang="de-DE"/>
+              <a:rPr lang="de-DE" dirty="0"/>
               <a:t>Frequent Route Mining - DBPRO 2019</a:t>
             </a:r>
           </a:p>
@@ -4519,7 +4277,7 @@
           <a:lstStyle/>
           <a:p>
             <a:r>
-              <a:rPr lang="de-DE"/>
+              <a:rPr lang="de-DE" dirty="0"/>
               <a:t>20.05.2019</a:t>
             </a:r>
           </a:p>
@@ -4550,7 +4308,7 @@
               <a:rPr lang="de-DE" smtClean="0"/>
               <a:t>‹Nr.›</a:t>
             </a:fld>
-            <a:endParaRPr lang="de-DE"/>
+            <a:endParaRPr lang="de-DE" dirty="0"/>
           </a:p>
         </p:txBody>
       </p:sp>
@@ -4734,7 +4492,7 @@
           </a:lstStyle>
           <a:p>
             <a:r>
-              <a:rPr lang="de-DE"/>
+              <a:rPr lang="de-DE" dirty="0"/>
               <a:t>Frequent Route Mining - DBPRO 2019</a:t>
             </a:r>
           </a:p>
@@ -4780,7 +4538,7 @@
           </a:lstStyle>
           <a:p>
             <a:r>
-              <a:rPr lang="de-DE"/>
+              <a:rPr lang="de-DE" dirty="0"/>
               <a:t>20.05.2019</a:t>
             </a:r>
           </a:p>
@@ -4829,7 +4587,7 @@
               <a:rPr lang="de-DE" smtClean="0"/>
               <a:t>‹Nr.›</a:t>
             </a:fld>
-            <a:endParaRPr lang="de-DE"/>
+            <a:endParaRPr lang="de-DE" dirty="0"/>
           </a:p>
         </p:txBody>
       </p:sp>
@@ -5144,7 +4902,7 @@
     <p:bg>
       <p:bgPr>
         <a:blipFill dpi="0" rotWithShape="1">
-          <a:blip r:embed="rId2">
+          <a:blip r:embed="rId3">
             <a:lum/>
           </a:blip>
           <a:srcRect/>
@@ -5220,21 +4978,7 @@
                 <a:latin typeface="DaunPenh" panose="020B0604020202020204" pitchFamily="2" charset="0"/>
                 <a:cs typeface="DaunPenh" panose="020B0604020202020204" pitchFamily="2" charset="0"/>
               </a:rPr>
-              <a:t>DBPRO </a:t>
-            </a:r>
-            <a:r>
-              <a:rPr lang="de-DE" sz="4000" dirty="0" err="1">
-                <a:latin typeface="DaunPenh" panose="020B0604020202020204" pitchFamily="2" charset="0"/>
-                <a:cs typeface="DaunPenh" panose="020B0604020202020204" pitchFamily="2" charset="0"/>
-              </a:rPr>
-              <a:t>SoSe</a:t>
-            </a:r>
-            <a:r>
-              <a:rPr lang="de-DE" sz="4000" dirty="0">
-                <a:latin typeface="DaunPenh" panose="020B0604020202020204" pitchFamily="2" charset="0"/>
-                <a:cs typeface="DaunPenh" panose="020B0604020202020204" pitchFamily="2" charset="0"/>
-              </a:rPr>
-              <a:t> 2019</a:t>
+              <a:t>DBPRO SoSe 2019</a:t>
             </a:r>
             <a:endParaRPr lang="de-DE" dirty="0">
               <a:latin typeface="DaunPenh" panose="020B0604020202020204" pitchFamily="2" charset="0"/>
@@ -5287,41 +5031,20 @@
           </a:p>
           <a:p>
             <a:r>
-              <a:rPr lang="de-DE" sz="2000" dirty="0" err="1">
+              <a:rPr lang="de-DE" sz="2000" dirty="0">
                 <a:latin typeface="DaunPenh" panose="020B0604020202020204" pitchFamily="2" charset="0"/>
                 <a:cs typeface="DaunPenh" panose="020B0604020202020204" pitchFamily="2" charset="0"/>
               </a:rPr>
-              <a:t>Xu</a:t>
+              <a:t>Xu Jia Fug Liu</a:t>
             </a:r>
+          </a:p>
+          <a:p>
             <a:r>
               <a:rPr lang="de-DE" sz="2000" dirty="0">
                 <a:latin typeface="DaunPenh" panose="020B0604020202020204" pitchFamily="2" charset="0"/>
                 <a:cs typeface="DaunPenh" panose="020B0604020202020204" pitchFamily="2" charset="0"/>
               </a:rPr>
-              <a:t> Jia Fug Liu</a:t>
-            </a:r>
-          </a:p>
-          <a:p>
-            <a:r>
-              <a:rPr lang="de-DE" sz="2000" dirty="0">
-                <a:latin typeface="DaunPenh" panose="020B0604020202020204" pitchFamily="2" charset="0"/>
-                <a:cs typeface="DaunPenh" panose="020B0604020202020204" pitchFamily="2" charset="0"/>
-              </a:rPr>
-              <a:t>Karen Verónica </a:t>
-            </a:r>
-            <a:r>
-              <a:rPr lang="de-DE" sz="2000" dirty="0" err="1">
-                <a:latin typeface="DaunPenh" panose="020B0604020202020204" pitchFamily="2" charset="0"/>
-                <a:cs typeface="DaunPenh" panose="020B0604020202020204" pitchFamily="2" charset="0"/>
-              </a:rPr>
-              <a:t>Sacotto</a:t>
-            </a:r>
-            <a:r>
-              <a:rPr lang="de-DE" sz="2000" dirty="0">
-                <a:latin typeface="DaunPenh" panose="020B0604020202020204" pitchFamily="2" charset="0"/>
-                <a:cs typeface="DaunPenh" panose="020B0604020202020204" pitchFamily="2" charset="0"/>
-              </a:rPr>
-              <a:t> Cardenas</a:t>
+              <a:t>Karen Verónica Sacotto Cardenas</a:t>
             </a:r>
           </a:p>
         </p:txBody>
@@ -5378,10 +5101,9 @@
           <a:lstStyle/>
           <a:p>
             <a:r>
-              <a:rPr lang="de-DE"/>
+              <a:rPr lang="de-DE" dirty="0"/>
               <a:t>Frequent Route Mining - DBPRO 2019</a:t>
             </a:r>
-            <a:endParaRPr lang="de-DE" dirty="0"/>
           </a:p>
         </p:txBody>
       </p:sp>
@@ -5407,10 +5129,9 @@
           <a:lstStyle/>
           <a:p>
             <a:r>
-              <a:rPr lang="de-DE"/>
+              <a:rPr lang="de-DE" dirty="0"/>
               <a:t>20.05.2019</a:t>
             </a:r>
-            <a:endParaRPr lang="de-DE" dirty="0"/>
           </a:p>
         </p:txBody>
       </p:sp>
@@ -5501,7 +5222,7 @@
           <a:bodyPr/>
           <a:lstStyle/>
           <a:p>
-            <a:endParaRPr lang="de-DE"/>
+            <a:endParaRPr lang="de-DE" dirty="0"/>
           </a:p>
         </p:txBody>
       </p:sp>
@@ -6004,7 +5725,7 @@
           <a:graphicData uri="http://schemas.openxmlformats.org/presentationml/2006/ole">
             <mc:AlternateContent xmlns:mc="http://schemas.openxmlformats.org/markup-compatibility/2006">
               <mc:Choice xmlns:v="urn:schemas-microsoft-com:vml" Requires="v">
-                <p:oleObj spid="_x0000_s1048" name="think-cell Folie" r:id="rId59" imgW="395" imgH="396" progId="TCLayout.ActiveDocument.1">
+                <p:oleObj spid="_x0000_s1052" name="think-cell Folie" r:id="rId59" imgW="395" imgH="396" progId="TCLayout.ActiveDocument.1">
                   <p:embed/>
                 </p:oleObj>
               </mc:Choice>
@@ -6116,10 +5837,9 @@
           <a:lstStyle/>
           <a:p>
             <a:r>
-              <a:rPr lang="de-DE"/>
+              <a:rPr lang="de-DE" dirty="0"/>
               <a:t>Frequent Route Mining - DBPRO 2019</a:t>
             </a:r>
-            <a:endParaRPr lang="de-DE" dirty="0"/>
           </a:p>
         </p:txBody>
       </p:sp>
@@ -6145,10 +5865,9 @@
           <a:lstStyle/>
           <a:p>
             <a:r>
-              <a:rPr lang="de-DE"/>
+              <a:rPr lang="de-DE" dirty="0"/>
               <a:t>20.05.2019</a:t>
             </a:r>
-            <a:endParaRPr lang="de-DE" dirty="0"/>
           </a:p>
         </p:txBody>
       </p:sp>
@@ -11176,7 +10895,7 @@
           <a:lstStyle/>
           <a:p>
             <a:pPr algn="ctr"/>
-            <a:endParaRPr lang="de-DE"/>
+            <a:endParaRPr lang="de-DE" dirty="0"/>
           </a:p>
         </p:txBody>
       </p:sp>
@@ -11238,7 +10957,7 @@
           <a:lstStyle/>
           <a:p>
             <a:pPr algn="ctr"/>
-            <a:endParaRPr lang="de-DE"/>
+            <a:endParaRPr lang="de-DE" dirty="0"/>
           </a:p>
         </p:txBody>
       </p:sp>
@@ -11300,7 +11019,7 @@
           <a:lstStyle/>
           <a:p>
             <a:pPr algn="ctr"/>
-            <a:endParaRPr lang="de-DE"/>
+            <a:endParaRPr lang="de-DE" dirty="0"/>
           </a:p>
         </p:txBody>
       </p:sp>
@@ -11362,7 +11081,7 @@
           <a:lstStyle/>
           <a:p>
             <a:pPr algn="ctr"/>
-            <a:endParaRPr lang="de-DE"/>
+            <a:endParaRPr lang="de-DE" dirty="0"/>
           </a:p>
         </p:txBody>
       </p:sp>
@@ -11424,7 +11143,7 @@
           <a:lstStyle/>
           <a:p>
             <a:pPr algn="ctr"/>
-            <a:endParaRPr lang="de-DE"/>
+            <a:endParaRPr lang="de-DE" dirty="0"/>
           </a:p>
         </p:txBody>
       </p:sp>
@@ -11486,7 +11205,7 @@
           <a:lstStyle/>
           <a:p>
             <a:pPr algn="ctr"/>
-            <a:endParaRPr lang="de-DE"/>
+            <a:endParaRPr lang="de-DE" dirty="0"/>
           </a:p>
         </p:txBody>
       </p:sp>
@@ -11548,7 +11267,7 @@
           <a:lstStyle/>
           <a:p>
             <a:pPr algn="ctr"/>
-            <a:endParaRPr lang="de-DE"/>
+            <a:endParaRPr lang="de-DE" dirty="0"/>
           </a:p>
         </p:txBody>
       </p:sp>
@@ -13491,7 +13210,7 @@
           <a:lstStyle/>
           <a:p>
             <a:pPr algn="ctr"/>
-            <a:endParaRPr lang="de-DE"/>
+            <a:endParaRPr lang="de-DE" dirty="0"/>
           </a:p>
         </p:txBody>
       </p:sp>
@@ -13545,7 +13264,7 @@
           <a:lstStyle/>
           <a:p>
             <a:pPr algn="ctr"/>
-            <a:endParaRPr lang="de-DE"/>
+            <a:endParaRPr lang="de-DE" dirty="0"/>
           </a:p>
         </p:txBody>
       </p:sp>
@@ -13599,7 +13318,7 @@
           <a:lstStyle/>
           <a:p>
             <a:pPr algn="ctr"/>
-            <a:endParaRPr lang="de-DE"/>
+            <a:endParaRPr lang="de-DE" dirty="0"/>
           </a:p>
         </p:txBody>
       </p:sp>
@@ -13653,7 +13372,7 @@
           <a:lstStyle/>
           <a:p>
             <a:pPr algn="ctr"/>
-            <a:endParaRPr lang="de-DE"/>
+            <a:endParaRPr lang="de-DE" dirty="0"/>
           </a:p>
         </p:txBody>
       </p:sp>
@@ -13678,7 +13397,7 @@
           <a:bodyPr/>
           <a:lstStyle/>
           <a:p>
-            <a:endParaRPr lang="de-DE"/>
+            <a:endParaRPr lang="de-DE" dirty="0"/>
           </a:p>
         </p:txBody>
       </p:sp>
@@ -13897,7 +13616,7 @@
           <a:graphicData uri="http://schemas.openxmlformats.org/presentationml/2006/ole">
             <mc:AlternateContent xmlns:mc="http://schemas.openxmlformats.org/markup-compatibility/2006">
               <mc:Choice xmlns:v="urn:schemas-microsoft-com:vml" Requires="v">
-                <p:oleObj spid="_x0000_s2056" name="think-cell Folie" r:id="rId64" imgW="395" imgH="396" progId="TCLayout.ActiveDocument.1">
+                <p:oleObj spid="_x0000_s2061" name="think-cell Folie" r:id="rId64" imgW="395" imgH="396" progId="TCLayout.ActiveDocument.1">
                   <p:embed/>
                 </p:oleObj>
               </mc:Choice>
@@ -14015,10 +13734,9 @@
           <a:lstStyle/>
           <a:p>
             <a:r>
-              <a:rPr lang="de-DE"/>
+              <a:rPr lang="de-DE" dirty="0"/>
               <a:t>Frequent Route Mining - DBPRO 2019</a:t>
             </a:r>
-            <a:endParaRPr lang="de-DE" dirty="0"/>
           </a:p>
         </p:txBody>
       </p:sp>
@@ -14044,10 +13762,9 @@
           <a:lstStyle/>
           <a:p>
             <a:r>
-              <a:rPr lang="de-DE"/>
+              <a:rPr lang="de-DE" dirty="0"/>
               <a:t>20.05.2019</a:t>
             </a:r>
-            <a:endParaRPr lang="de-DE" dirty="0"/>
           </a:p>
         </p:txBody>
       </p:sp>
@@ -19075,7 +18792,7 @@
           <a:lstStyle/>
           <a:p>
             <a:pPr algn="ctr"/>
-            <a:endParaRPr lang="de-DE"/>
+            <a:endParaRPr lang="de-DE" dirty="0"/>
           </a:p>
         </p:txBody>
       </p:sp>
@@ -19137,7 +18854,7 @@
           <a:lstStyle/>
           <a:p>
             <a:pPr algn="ctr"/>
-            <a:endParaRPr lang="de-DE"/>
+            <a:endParaRPr lang="de-DE" dirty="0"/>
           </a:p>
         </p:txBody>
       </p:sp>
@@ -19199,7 +18916,7 @@
           <a:lstStyle/>
           <a:p>
             <a:pPr algn="ctr"/>
-            <a:endParaRPr lang="de-DE"/>
+            <a:endParaRPr lang="de-DE" dirty="0"/>
           </a:p>
         </p:txBody>
       </p:sp>
@@ -19261,7 +18978,7 @@
           <a:lstStyle/>
           <a:p>
             <a:pPr algn="ctr"/>
-            <a:endParaRPr lang="de-DE"/>
+            <a:endParaRPr lang="de-DE" dirty="0"/>
           </a:p>
         </p:txBody>
       </p:sp>
@@ -19323,7 +19040,7 @@
           <a:lstStyle/>
           <a:p>
             <a:pPr algn="ctr"/>
-            <a:endParaRPr lang="de-DE"/>
+            <a:endParaRPr lang="de-DE" dirty="0"/>
           </a:p>
         </p:txBody>
       </p:sp>
@@ -19385,7 +19102,7 @@
           <a:lstStyle/>
           <a:p>
             <a:pPr algn="ctr"/>
-            <a:endParaRPr lang="de-DE"/>
+            <a:endParaRPr lang="de-DE" dirty="0"/>
           </a:p>
         </p:txBody>
       </p:sp>
@@ -19447,7 +19164,7 @@
           <a:lstStyle/>
           <a:p>
             <a:pPr algn="ctr"/>
-            <a:endParaRPr lang="de-DE"/>
+            <a:endParaRPr lang="de-DE" dirty="0"/>
           </a:p>
         </p:txBody>
       </p:sp>
@@ -21418,7 +21135,7 @@
             <a:lstStyle/>
             <a:p>
               <a:pPr algn="ctr"/>
-              <a:endParaRPr lang="de-DE"/>
+              <a:endParaRPr lang="de-DE" dirty="0"/>
             </a:p>
           </p:txBody>
         </p:sp>
@@ -21472,7 +21189,7 @@
             <a:lstStyle/>
             <a:p>
               <a:pPr algn="ctr"/>
-              <a:endParaRPr lang="de-DE"/>
+              <a:endParaRPr lang="de-DE" dirty="0"/>
             </a:p>
           </p:txBody>
         </p:sp>
@@ -21555,7 +21272,7 @@
             <a:lstStyle/>
             <a:p>
               <a:pPr algn="ctr"/>
-              <a:endParaRPr lang="de-DE"/>
+              <a:endParaRPr lang="de-DE" dirty="0"/>
             </a:p>
           </p:txBody>
         </p:sp>
@@ -21609,7 +21326,7 @@
             <a:lstStyle/>
             <a:p>
               <a:pPr algn="ctr"/>
-              <a:endParaRPr lang="de-DE"/>
+              <a:endParaRPr lang="de-DE" dirty="0"/>
             </a:p>
           </p:txBody>
         </p:sp>
@@ -21692,7 +21409,7 @@
             <a:lstStyle/>
             <a:p>
               <a:pPr algn="ctr"/>
-              <a:endParaRPr lang="de-DE"/>
+              <a:endParaRPr lang="de-DE" dirty="0"/>
             </a:p>
           </p:txBody>
         </p:sp>
@@ -21746,7 +21463,7 @@
             <a:lstStyle/>
             <a:p>
               <a:pPr algn="ctr"/>
-              <a:endParaRPr lang="de-DE"/>
+              <a:endParaRPr lang="de-DE" dirty="0"/>
             </a:p>
           </p:txBody>
         </p:sp>
@@ -21800,7 +21517,7 @@
             <a:lstStyle/>
             <a:p>
               <a:pPr algn="ctr"/>
-              <a:endParaRPr lang="de-DE"/>
+              <a:endParaRPr lang="de-DE" dirty="0"/>
             </a:p>
           </p:txBody>
         </p:sp>
@@ -21942,19 +21659,8 @@
                 <a:latin typeface="DaunPenh" panose="01010101010101010101" pitchFamily="2" charset="0"/>
                 <a:cs typeface="DaunPenh" panose="01010101010101010101" pitchFamily="2" charset="0"/>
               </a:rPr>
-              <a:t>	Next </a:t>
+              <a:t>	Next Steps</a:t>
             </a:r>
-            <a:r>
-              <a:rPr lang="de-DE" sz="4400" dirty="0" err="1">
-                <a:latin typeface="DaunPenh" panose="01010101010101010101" pitchFamily="2" charset="0"/>
-                <a:cs typeface="DaunPenh" panose="01010101010101010101" pitchFamily="2" charset="0"/>
-              </a:rPr>
-              <a:t>Steps</a:t>
-            </a:r>
-            <a:endParaRPr lang="de-DE" sz="4400" dirty="0">
-              <a:latin typeface="DaunPenh" panose="01010101010101010101" pitchFamily="2" charset="0"/>
-              <a:cs typeface="DaunPenh" panose="01010101010101010101" pitchFamily="2" charset="0"/>
-            </a:endParaRPr>
           </a:p>
         </p:txBody>
       </p:sp>
@@ -22036,7 +21742,7 @@
             <a:lstStyle/>
             <a:p>
               <a:pPr algn="ctr"/>
-              <a:endParaRPr lang="de-DE"/>
+              <a:endParaRPr lang="de-DE" dirty="0"/>
             </a:p>
           </p:txBody>
         </p:sp>
@@ -22098,7 +21804,7 @@
             <a:lstStyle/>
             <a:p>
               <a:pPr algn="ctr"/>
-              <a:endParaRPr lang="de-DE"/>
+              <a:endParaRPr lang="de-DE" dirty="0"/>
             </a:p>
           </p:txBody>
         </p:sp>
@@ -22190,7 +21896,7 @@
             <a:lstStyle/>
             <a:p>
               <a:pPr algn="ctr"/>
-              <a:endParaRPr lang="de-DE"/>
+              <a:endParaRPr lang="de-DE" dirty="0"/>
             </a:p>
           </p:txBody>
         </p:sp>
@@ -22259,10 +21965,9 @@
           <a:lstStyle/>
           <a:p>
             <a:r>
-              <a:rPr lang="de-DE"/>
+              <a:rPr lang="de-DE" dirty="0"/>
               <a:t>Frequent Route Mining - DBPRO 2019</a:t>
             </a:r>
-            <a:endParaRPr lang="de-DE" dirty="0"/>
           </a:p>
         </p:txBody>
       </p:sp>
@@ -22288,10 +21993,9 @@
           <a:lstStyle/>
           <a:p>
             <a:r>
-              <a:rPr lang="de-DE"/>
+              <a:rPr lang="de-DE" dirty="0"/>
               <a:t>20.05.2019</a:t>
             </a:r>
-            <a:endParaRPr lang="de-DE" dirty="0"/>
           </a:p>
         </p:txBody>
       </p:sp>
@@ -22382,7 +22086,7 @@
           <a:bodyPr/>
           <a:lstStyle/>
           <a:p>
-            <a:endParaRPr lang="de-DE"/>
+            <a:endParaRPr lang="de-DE" dirty="0"/>
           </a:p>
         </p:txBody>
       </p:sp>
@@ -22452,19 +22156,8 @@
                 <a:latin typeface="DaunPenh" panose="01010101010101010101" pitchFamily="2" charset="0"/>
                 <a:cs typeface="DaunPenh" panose="01010101010101010101" pitchFamily="2" charset="0"/>
               </a:rPr>
-              <a:t>	Next </a:t>
+              <a:t>	Next Steps</a:t>
             </a:r>
-            <a:r>
-              <a:rPr lang="de-DE" sz="4400" dirty="0" err="1">
-                <a:latin typeface="DaunPenh" panose="01010101010101010101" pitchFamily="2" charset="0"/>
-                <a:cs typeface="DaunPenh" panose="01010101010101010101" pitchFamily="2" charset="0"/>
-              </a:rPr>
-              <a:t>Steps</a:t>
-            </a:r>
-            <a:endParaRPr lang="de-DE" sz="4400" dirty="0">
-              <a:latin typeface="DaunPenh" panose="01010101010101010101" pitchFamily="2" charset="0"/>
-              <a:cs typeface="DaunPenh" panose="01010101010101010101" pitchFamily="2" charset="0"/>
-            </a:endParaRPr>
           </a:p>
         </p:txBody>
       </p:sp>
@@ -22741,10 +22434,9 @@
           <a:lstStyle/>
           <a:p>
             <a:r>
-              <a:rPr lang="de-DE"/>
+              <a:rPr lang="de-DE" dirty="0"/>
               <a:t>Frequent Route Mining - DBPRO 2019</a:t>
             </a:r>
-            <a:endParaRPr lang="de-DE" dirty="0"/>
           </a:p>
         </p:txBody>
       </p:sp>
@@ -22770,10 +22462,9 @@
           <a:lstStyle/>
           <a:p>
             <a:r>
-              <a:rPr lang="de-DE"/>
+              <a:rPr lang="de-DE" dirty="0"/>
               <a:t>20.05.2019</a:t>
             </a:r>
-            <a:endParaRPr lang="de-DE" dirty="0"/>
           </a:p>
         </p:txBody>
       </p:sp>
@@ -22798,7 +22489,7 @@
           <a:bodyPr/>
           <a:lstStyle/>
           <a:p>
-            <a:endParaRPr lang="de-DE"/>
+            <a:endParaRPr lang="de-DE" dirty="0"/>
           </a:p>
         </p:txBody>
       </p:sp>
@@ -22868,19 +22559,8 @@
                 <a:latin typeface="DaunPenh" panose="01010101010101010101" pitchFamily="2" charset="0"/>
                 <a:cs typeface="DaunPenh" panose="01010101010101010101" pitchFamily="2" charset="0"/>
               </a:rPr>
-              <a:t>	Next </a:t>
+              <a:t>	Next Steps</a:t>
             </a:r>
-            <a:r>
-              <a:rPr lang="de-DE" sz="4400" dirty="0" err="1">
-                <a:latin typeface="DaunPenh" panose="01010101010101010101" pitchFamily="2" charset="0"/>
-                <a:cs typeface="DaunPenh" panose="01010101010101010101" pitchFamily="2" charset="0"/>
-              </a:rPr>
-              <a:t>Steps</a:t>
-            </a:r>
-            <a:endParaRPr lang="de-DE" sz="4400" dirty="0">
-              <a:latin typeface="DaunPenh" panose="01010101010101010101" pitchFamily="2" charset="0"/>
-              <a:cs typeface="DaunPenh" panose="01010101010101010101" pitchFamily="2" charset="0"/>
-            </a:endParaRPr>
           </a:p>
         </p:txBody>
       </p:sp>
@@ -23197,41 +22877,20 @@
           </a:p>
           <a:p>
             <a:r>
-              <a:rPr lang="de-DE" sz="2000" dirty="0" err="1">
+              <a:rPr lang="de-DE" sz="2000" dirty="0">
                 <a:latin typeface="DaunPenh" panose="020B0604020202020204" pitchFamily="2" charset="0"/>
                 <a:cs typeface="DaunPenh" panose="020B0604020202020204" pitchFamily="2" charset="0"/>
               </a:rPr>
-              <a:t>Xu</a:t>
+              <a:t>Xu Jia Fug Liu</a:t>
             </a:r>
+          </a:p>
+          <a:p>
             <a:r>
               <a:rPr lang="de-DE" sz="2000" dirty="0">
                 <a:latin typeface="DaunPenh" panose="020B0604020202020204" pitchFamily="2" charset="0"/>
                 <a:cs typeface="DaunPenh" panose="020B0604020202020204" pitchFamily="2" charset="0"/>
               </a:rPr>
-              <a:t> Jia Fug Liu</a:t>
-            </a:r>
-          </a:p>
-          <a:p>
-            <a:r>
-              <a:rPr lang="de-DE" sz="2000" dirty="0">
-                <a:latin typeface="DaunPenh" panose="020B0604020202020204" pitchFamily="2" charset="0"/>
-                <a:cs typeface="DaunPenh" panose="020B0604020202020204" pitchFamily="2" charset="0"/>
-              </a:rPr>
-              <a:t>Karen Verónica </a:t>
-            </a:r>
-            <a:r>
-              <a:rPr lang="de-DE" sz="2000" dirty="0" err="1">
-                <a:latin typeface="DaunPenh" panose="020B0604020202020204" pitchFamily="2" charset="0"/>
-                <a:cs typeface="DaunPenh" panose="020B0604020202020204" pitchFamily="2" charset="0"/>
-              </a:rPr>
-              <a:t>Sacotto</a:t>
-            </a:r>
-            <a:r>
-              <a:rPr lang="de-DE" sz="2000" dirty="0">
-                <a:latin typeface="DaunPenh" panose="020B0604020202020204" pitchFamily="2" charset="0"/>
-                <a:cs typeface="DaunPenh" panose="020B0604020202020204" pitchFamily="2" charset="0"/>
-              </a:rPr>
-              <a:t> Cardenas</a:t>
+              <a:t>Karen Verónica Sacotto Cardenas</a:t>
             </a:r>
           </a:p>
         </p:txBody>
@@ -24311,19 +23970,8 @@
                 <a:latin typeface="DaunPenh" panose="01010101010101010101" pitchFamily="2" charset="0"/>
                 <a:cs typeface="DaunPenh" panose="01010101010101010101" pitchFamily="2" charset="0"/>
               </a:rPr>
-              <a:t>	Next </a:t>
+              <a:t>	Next Steps</a:t>
             </a:r>
-            <a:r>
-              <a:rPr lang="de-DE" sz="4400" dirty="0" err="1">
-                <a:latin typeface="DaunPenh" panose="01010101010101010101" pitchFamily="2" charset="0"/>
-                <a:cs typeface="DaunPenh" panose="01010101010101010101" pitchFamily="2" charset="0"/>
-              </a:rPr>
-              <a:t>Steps</a:t>
-            </a:r>
-            <a:endParaRPr lang="de-DE" sz="4400" dirty="0">
-              <a:latin typeface="DaunPenh" panose="01010101010101010101" pitchFamily="2" charset="0"/>
-              <a:cs typeface="DaunPenh" panose="01010101010101010101" pitchFamily="2" charset="0"/>
-            </a:endParaRPr>
           </a:p>
         </p:txBody>
       </p:sp>
@@ -24349,10 +23997,9 @@
           <a:lstStyle/>
           <a:p>
             <a:r>
-              <a:rPr lang="de-DE"/>
+              <a:rPr lang="de-DE" dirty="0"/>
               <a:t>Frequent Route Mining - DBPRO 2019</a:t>
             </a:r>
-            <a:endParaRPr lang="de-DE" dirty="0"/>
           </a:p>
         </p:txBody>
       </p:sp>
@@ -24378,10 +24025,9 @@
           <a:lstStyle/>
           <a:p>
             <a:r>
-              <a:rPr lang="de-DE"/>
+              <a:rPr lang="de-DE" dirty="0"/>
               <a:t>20.05.2019</a:t>
             </a:r>
-            <a:endParaRPr lang="de-DE" dirty="0"/>
           </a:p>
         </p:txBody>
       </p:sp>
@@ -24406,7 +24052,7 @@
           <a:bodyPr/>
           <a:lstStyle/>
           <a:p>
-            <a:endParaRPr lang="de-DE"/>
+            <a:endParaRPr lang="de-DE" dirty="0"/>
           </a:p>
         </p:txBody>
       </p:sp>
@@ -25581,7 +25227,7 @@
               <a:t> </a:t>
             </a:r>
             <a:r>
-              <a:rPr lang="de-DE" sz="4400" dirty="0" err="1">
+              <a:rPr lang="de-DE" sz="4400" dirty="0">
                 <a:latin typeface="DaunPenh" panose="01010101010101010101" pitchFamily="2" charset="0"/>
                 <a:cs typeface="DaunPenh" panose="01010101010101010101" pitchFamily="2" charset="0"/>
               </a:rPr>
@@ -25616,10 +25262,9 @@
           <a:lstStyle/>
           <a:p>
             <a:r>
-              <a:rPr lang="de-DE"/>
+              <a:rPr lang="de-DE" dirty="0"/>
               <a:t>Frequent Route Mining - DBPRO 2019</a:t>
             </a:r>
-            <a:endParaRPr lang="de-DE" dirty="0"/>
           </a:p>
         </p:txBody>
       </p:sp>
@@ -25645,10 +25290,9 @@
           <a:lstStyle/>
           <a:p>
             <a:r>
-              <a:rPr lang="de-DE"/>
+              <a:rPr lang="de-DE" dirty="0"/>
               <a:t>20.05.2019</a:t>
             </a:r>
-            <a:endParaRPr lang="de-DE" dirty="0"/>
           </a:p>
         </p:txBody>
       </p:sp>
@@ -25914,10 +25558,9 @@
           <a:lstStyle/>
           <a:p>
             <a:r>
-              <a:rPr lang="de-DE"/>
+              <a:rPr lang="de-DE" dirty="0"/>
               <a:t>Frequent Route Mining - DBPRO 2019</a:t>
             </a:r>
-            <a:endParaRPr lang="de-DE" dirty="0"/>
           </a:p>
         </p:txBody>
       </p:sp>
@@ -25943,10 +25586,9 @@
           <a:lstStyle/>
           <a:p>
             <a:r>
-              <a:rPr lang="de-DE"/>
+              <a:rPr lang="de-DE" dirty="0"/>
               <a:t>20.05.2019</a:t>
             </a:r>
-            <a:endParaRPr lang="de-DE" dirty="0"/>
           </a:p>
         </p:txBody>
       </p:sp>
@@ -25967,7 +25609,7 @@
           </p:nvPr>
         </p:nvPicPr>
         <p:blipFill rotWithShape="1">
-          <a:blip r:embed="rId2">
+          <a:blip r:embed="rId3">
             <a:extLst>
               <a:ext uri="{28A0092B-C50C-407E-A947-70E740481C1C}">
                 <a14:useLocalDpi xmlns:a14="http://schemas.microsoft.com/office/drawing/2010/main" val="0"/>
@@ -26121,7 +25763,7 @@
           <a:graphicData uri="http://schemas.openxmlformats.org/presentationml/2006/ole">
             <mc:AlternateContent xmlns:mc="http://schemas.openxmlformats.org/markup-compatibility/2006">
               <mc:Choice xmlns:v="urn:schemas-microsoft-com:vml" Requires="v">
-                <p:oleObj spid="_x0000_s3078" name="think-cell Folie" r:id="rId8" imgW="395" imgH="396" progId="TCLayout.ActiveDocument.1">
+                <p:oleObj spid="_x0000_s3084" name="think-cell Folie" r:id="rId8" imgW="395" imgH="396" progId="TCLayout.ActiveDocument.1">
                   <p:embed/>
                 </p:oleObj>
               </mc:Choice>
@@ -26239,10 +25881,9 @@
           <a:lstStyle/>
           <a:p>
             <a:r>
-              <a:rPr lang="de-DE"/>
+              <a:rPr lang="de-DE" dirty="0"/>
               <a:t>Frequent Route Mining - DBPRO 2019</a:t>
             </a:r>
-            <a:endParaRPr lang="de-DE" dirty="0"/>
           </a:p>
         </p:txBody>
       </p:sp>
@@ -26268,10 +25909,9 @@
           <a:lstStyle/>
           <a:p>
             <a:r>
-              <a:rPr lang="de-DE"/>
+              <a:rPr lang="de-DE" dirty="0"/>
               <a:t>20.05.2019</a:t>
             </a:r>
-            <a:endParaRPr lang="de-DE" dirty="0"/>
           </a:p>
         </p:txBody>
       </p:sp>
@@ -26296,7 +25936,7 @@
           <a:bodyPr/>
           <a:lstStyle/>
           <a:p>
-            <a:endParaRPr lang="de-DE"/>
+            <a:endParaRPr lang="de-DE" dirty="0"/>
           </a:p>
         </p:txBody>
       </p:sp>
@@ -26649,10 +26289,9 @@
           <a:lstStyle/>
           <a:p>
             <a:r>
-              <a:rPr lang="de-DE"/>
+              <a:rPr lang="de-DE" dirty="0"/>
               <a:t>Frequent Route Mining - DBPRO 2019</a:t>
             </a:r>
-            <a:endParaRPr lang="de-DE" dirty="0"/>
           </a:p>
         </p:txBody>
       </p:sp>
@@ -26678,10 +26317,9 @@
           <a:lstStyle/>
           <a:p>
             <a:r>
-              <a:rPr lang="de-DE"/>
+              <a:rPr lang="de-DE" dirty="0"/>
               <a:t>20.05.2019</a:t>
             </a:r>
-            <a:endParaRPr lang="de-DE" dirty="0"/>
           </a:p>
         </p:txBody>
       </p:sp>
@@ -26706,7 +26344,7 @@
           <a:bodyPr/>
           <a:lstStyle/>
           <a:p>
-            <a:endParaRPr lang="de-DE"/>
+            <a:endParaRPr lang="de-DE" dirty="0"/>
           </a:p>
         </p:txBody>
       </p:sp>
@@ -27008,30 +26646,12 @@
             <a:lstStyle/>
             <a:p>
               <a:r>
-                <a:rPr lang="de-DE" sz="3600" dirty="0" err="1">
-                  <a:latin typeface="DaunPenh" panose="01010101010101010101" pitchFamily="2" charset="0"/>
-                  <a:cs typeface="DaunPenh" panose="01010101010101010101" pitchFamily="2" charset="0"/>
-                </a:rPr>
-                <a:t>Stop</a:t>
-              </a:r>
-              <a:r>
                 <a:rPr lang="de-DE" sz="3600" dirty="0">
                   <a:latin typeface="DaunPenh" panose="01010101010101010101" pitchFamily="2" charset="0"/>
                   <a:cs typeface="DaunPenh" panose="01010101010101010101" pitchFamily="2" charset="0"/>
                 </a:rPr>
-                <a:t> Point </a:t>
+                <a:t>Stop Point Extraction</a:t>
               </a:r>
-              <a:r>
-                <a:rPr lang="de-DE" sz="3600" dirty="0" err="1">
-                  <a:latin typeface="DaunPenh" panose="01010101010101010101" pitchFamily="2" charset="0"/>
-                  <a:cs typeface="DaunPenh" panose="01010101010101010101" pitchFamily="2" charset="0"/>
-                </a:rPr>
-                <a:t>Extraction</a:t>
-              </a:r>
-              <a:endParaRPr lang="de-DE" sz="3600" dirty="0">
-                <a:latin typeface="DaunPenh" panose="01010101010101010101" pitchFamily="2" charset="0"/>
-                <a:cs typeface="DaunPenh" panose="01010101010101010101" pitchFamily="2" charset="0"/>
-              </a:endParaRPr>
             </a:p>
           </p:txBody>
         </p:sp>
@@ -27446,10 +27066,9 @@
           <a:lstStyle/>
           <a:p>
             <a:r>
-              <a:rPr lang="de-DE"/>
+              <a:rPr lang="de-DE" dirty="0"/>
               <a:t>Frequent Route Mining - DBPRO 2019</a:t>
             </a:r>
-            <a:endParaRPr lang="de-DE" dirty="0"/>
           </a:p>
         </p:txBody>
       </p:sp>
@@ -27475,10 +27094,9 @@
           <a:lstStyle/>
           <a:p>
             <a:r>
-              <a:rPr lang="de-DE"/>
+              <a:rPr lang="de-DE" dirty="0"/>
               <a:t>20.05.2019</a:t>
             </a:r>
-            <a:endParaRPr lang="de-DE" dirty="0"/>
           </a:p>
         </p:txBody>
       </p:sp>
@@ -27503,7 +27121,7 @@
           <a:bodyPr/>
           <a:lstStyle/>
           <a:p>
-            <a:endParaRPr lang="de-DE"/>
+            <a:endParaRPr lang="de-DE" dirty="0"/>
           </a:p>
         </p:txBody>
       </p:sp>
@@ -27748,7 +27366,7 @@
         </p:blipFill>
         <p:spPr>
           <a:xfrm>
-            <a:off x="936000" y="1620000"/>
+            <a:off x="936000" y="1800000"/>
             <a:ext cx="5081158" cy="3290050"/>
           </a:xfrm>
           <a:prstGeom prst="rect">
@@ -27770,7 +27388,7 @@
         </p:nvSpPr>
         <p:spPr>
           <a:xfrm>
-            <a:off x="1753348" y="5189743"/>
+            <a:off x="1584000" y="5220000"/>
             <a:ext cx="1412566" cy="646331"/>
           </a:xfrm>
           <a:prstGeom prst="rect">
@@ -27859,30 +27477,12 @@
           <a:lstStyle/>
           <a:p>
             <a:r>
-              <a:rPr lang="de-DE" sz="3600" dirty="0" err="1">
-                <a:latin typeface="DaunPenh" panose="01010101010101010101" pitchFamily="2" charset="0"/>
-                <a:cs typeface="DaunPenh" panose="01010101010101010101" pitchFamily="2" charset="0"/>
-              </a:rPr>
-              <a:t>Stop</a:t>
-            </a:r>
-            <a:r>
               <a:rPr lang="de-DE" sz="3600" dirty="0">
                 <a:latin typeface="DaunPenh" panose="01010101010101010101" pitchFamily="2" charset="0"/>
                 <a:cs typeface="DaunPenh" panose="01010101010101010101" pitchFamily="2" charset="0"/>
               </a:rPr>
-              <a:t> Point </a:t>
+              <a:t>Stop Point Extraction</a:t>
             </a:r>
-            <a:r>
-              <a:rPr lang="de-DE" sz="3600" dirty="0" err="1">
-                <a:latin typeface="DaunPenh" panose="01010101010101010101" pitchFamily="2" charset="0"/>
-                <a:cs typeface="DaunPenh" panose="01010101010101010101" pitchFamily="2" charset="0"/>
-              </a:rPr>
-              <a:t>Extraction</a:t>
-            </a:r>
-            <a:endParaRPr lang="de-DE" sz="3600" dirty="0">
-              <a:latin typeface="DaunPenh" panose="01010101010101010101" pitchFamily="2" charset="0"/>
-              <a:cs typeface="DaunPenh" panose="01010101010101010101" pitchFamily="2" charset="0"/>
-            </a:endParaRPr>
           </a:p>
         </p:txBody>
       </p:sp>
@@ -28084,81 +27684,6 @@
       </p:transition>
     </mc:Fallback>
   </mc:AlternateContent>
-  <p:timing>
-    <p:tnLst>
-      <p:par>
-        <p:cTn id="1" dur="indefinite" restart="never" nodeType="tmRoot">
-          <p:childTnLst>
-            <p:seq concurrent="1" nextAc="seek">
-              <p:cTn id="2" dur="indefinite" nodeType="mainSeq">
-                <p:childTnLst>
-                  <p:par>
-                    <p:cTn id="3" fill="hold">
-                      <p:stCondLst>
-                        <p:cond delay="indefinite"/>
-                      </p:stCondLst>
-                      <p:childTnLst>
-                        <p:par>
-                          <p:cTn id="4" fill="hold">
-                            <p:stCondLst>
-                              <p:cond delay="0"/>
-                            </p:stCondLst>
-                            <p:childTnLst>
-                              <p:par>
-                                <p:cTn id="5" presetID="1" presetClass="entr" presetSubtype="0" fill="hold" nodeType="clickEffect">
-                                  <p:stCondLst>
-                                    <p:cond delay="0"/>
-                                  </p:stCondLst>
-                                  <p:childTnLst>
-                                    <p:set>
-                                      <p:cBhvr>
-                                        <p:cTn id="6" dur="1" fill="hold">
-                                          <p:stCondLst>
-                                            <p:cond delay="0"/>
-                                          </p:stCondLst>
-                                        </p:cTn>
-                                        <p:tgtEl>
-                                          <p:spTgt spid="10"/>
-                                        </p:tgtEl>
-                                        <p:attrNameLst>
-                                          <p:attrName>style.visibility</p:attrName>
-                                        </p:attrNameLst>
-                                      </p:cBhvr>
-                                      <p:to>
-                                        <p:strVal val="visible"/>
-                                      </p:to>
-                                    </p:set>
-                                  </p:childTnLst>
-                                </p:cTn>
-                              </p:par>
-                            </p:childTnLst>
-                          </p:cTn>
-                        </p:par>
-                      </p:childTnLst>
-                    </p:cTn>
-                  </p:par>
-                </p:childTnLst>
-              </p:cTn>
-              <p:prevCondLst>
-                <p:cond evt="onPrev" delay="0">
-                  <p:tgtEl>
-                    <p:sldTgt/>
-                  </p:tgtEl>
-                </p:cond>
-              </p:prevCondLst>
-              <p:nextCondLst>
-                <p:cond evt="onNext" delay="0">
-                  <p:tgtEl>
-                    <p:sldTgt/>
-                  </p:tgtEl>
-                </p:cond>
-              </p:nextCondLst>
-            </p:seq>
-          </p:childTnLst>
-        </p:cTn>
-      </p:par>
-    </p:tnLst>
-  </p:timing>
 </p:sld>
 </file>
 
@@ -28201,10 +27726,9 @@
           <a:lstStyle/>
           <a:p>
             <a:r>
-              <a:rPr lang="de-DE"/>
+              <a:rPr lang="de-DE" dirty="0"/>
               <a:t>Frequent Route Mining - DBPRO 2019</a:t>
             </a:r>
-            <a:endParaRPr lang="de-DE" dirty="0"/>
           </a:p>
         </p:txBody>
       </p:sp>
@@ -28230,10 +27754,9 @@
           <a:lstStyle/>
           <a:p>
             <a:r>
-              <a:rPr lang="de-DE"/>
+              <a:rPr lang="de-DE" dirty="0"/>
               <a:t>20.05.2019</a:t>
             </a:r>
-            <a:endParaRPr lang="de-DE" dirty="0"/>
           </a:p>
         </p:txBody>
       </p:sp>
@@ -28258,7 +27781,7 @@
           <a:bodyPr/>
           <a:lstStyle/>
           <a:p>
-            <a:endParaRPr lang="de-DE"/>
+            <a:endParaRPr lang="de-DE" dirty="0"/>
           </a:p>
         </p:txBody>
       </p:sp>
@@ -28525,7 +28048,7 @@
         </p:nvSpPr>
         <p:spPr>
           <a:xfrm>
-            <a:off x="1504800" y="4629600"/>
+            <a:off x="1504800" y="4536000"/>
             <a:ext cx="1412566" cy="646331"/>
           </a:xfrm>
           <a:prstGeom prst="rect">
@@ -28577,7 +28100,7 @@
         </p:blipFill>
         <p:spPr>
           <a:xfrm>
-            <a:off x="3240000" y="1783975"/>
+            <a:off x="3240000" y="1800000"/>
             <a:ext cx="4928723" cy="3290050"/>
           </a:xfrm>
           <a:prstGeom prst="rect">
@@ -28599,7 +28122,7 @@
         </p:nvSpPr>
         <p:spPr>
           <a:xfrm>
-            <a:off x="3960000" y="5392022"/>
+            <a:off x="3960000" y="5220000"/>
             <a:ext cx="3029997" cy="646331"/>
           </a:xfrm>
           <a:prstGeom prst="rect">
@@ -28614,30 +28137,12 @@
           <a:lstStyle/>
           <a:p>
             <a:r>
-              <a:rPr lang="de-DE" sz="3600" dirty="0" err="1">
-                <a:latin typeface="DaunPenh" panose="01010101010101010101" pitchFamily="2" charset="0"/>
-                <a:cs typeface="DaunPenh" panose="01010101010101010101" pitchFamily="2" charset="0"/>
-              </a:rPr>
-              <a:t>Stop</a:t>
-            </a:r>
-            <a:r>
               <a:rPr lang="de-DE" sz="3600" dirty="0">
                 <a:latin typeface="DaunPenh" panose="01010101010101010101" pitchFamily="2" charset="0"/>
                 <a:cs typeface="DaunPenh" panose="01010101010101010101" pitchFamily="2" charset="0"/>
               </a:rPr>
-              <a:t> Point </a:t>
+              <a:t>Stop Point Extraction</a:t>
             </a:r>
-            <a:r>
-              <a:rPr lang="de-DE" sz="3600" dirty="0" err="1">
-                <a:latin typeface="DaunPenh" panose="01010101010101010101" pitchFamily="2" charset="0"/>
-                <a:cs typeface="DaunPenh" panose="01010101010101010101" pitchFamily="2" charset="0"/>
-              </a:rPr>
-              <a:t>Extraction</a:t>
-            </a:r>
-            <a:endParaRPr lang="de-DE" sz="3600" dirty="0">
-              <a:latin typeface="DaunPenh" panose="01010101010101010101" pitchFamily="2" charset="0"/>
-              <a:cs typeface="DaunPenh" panose="01010101010101010101" pitchFamily="2" charset="0"/>
-            </a:endParaRPr>
           </a:p>
         </p:txBody>
       </p:sp>
@@ -28956,10 +28461,9 @@
           <a:lstStyle/>
           <a:p>
             <a:r>
-              <a:rPr lang="de-DE"/>
+              <a:rPr lang="de-DE" dirty="0"/>
               <a:t>Frequent Route Mining - DBPRO 2019</a:t>
             </a:r>
-            <a:endParaRPr lang="de-DE" dirty="0"/>
           </a:p>
         </p:txBody>
       </p:sp>
@@ -28985,10 +28489,9 @@
           <a:lstStyle/>
           <a:p>
             <a:r>
-              <a:rPr lang="de-DE"/>
+              <a:rPr lang="de-DE" dirty="0"/>
               <a:t>20.05.2019</a:t>
             </a:r>
-            <a:endParaRPr lang="de-DE" dirty="0"/>
           </a:p>
         </p:txBody>
       </p:sp>
@@ -29013,7 +28516,7 @@
           <a:bodyPr/>
           <a:lstStyle/>
           <a:p>
-            <a:endParaRPr lang="de-DE"/>
+            <a:endParaRPr lang="de-DE" dirty="0"/>
           </a:p>
         </p:txBody>
       </p:sp>
@@ -29369,30 +28872,12 @@
           <a:lstStyle/>
           <a:p>
             <a:r>
-              <a:rPr lang="de-DE" sz="3600" dirty="0" err="1">
-                <a:latin typeface="DaunPenh" panose="01010101010101010101" pitchFamily="2" charset="0"/>
-                <a:cs typeface="DaunPenh" panose="01010101010101010101" pitchFamily="2" charset="0"/>
-              </a:rPr>
-              <a:t>Stop</a:t>
-            </a:r>
-            <a:r>
               <a:rPr lang="de-DE" sz="3600" dirty="0">
                 <a:latin typeface="DaunPenh" panose="01010101010101010101" pitchFamily="2" charset="0"/>
                 <a:cs typeface="DaunPenh" panose="01010101010101010101" pitchFamily="2" charset="0"/>
               </a:rPr>
-              <a:t> Point </a:t>
+              <a:t>Stop Point Extraction</a:t>
             </a:r>
-            <a:r>
-              <a:rPr lang="de-DE" sz="3600" dirty="0" err="1">
-                <a:latin typeface="DaunPenh" panose="01010101010101010101" pitchFamily="2" charset="0"/>
-                <a:cs typeface="DaunPenh" panose="01010101010101010101" pitchFamily="2" charset="0"/>
-              </a:rPr>
-              <a:t>Extraction</a:t>
-            </a:r>
-            <a:endParaRPr lang="de-DE" sz="3600" dirty="0">
-              <a:latin typeface="DaunPenh" panose="01010101010101010101" pitchFamily="2" charset="0"/>
-              <a:cs typeface="DaunPenh" panose="01010101010101010101" pitchFamily="2" charset="0"/>
-            </a:endParaRPr>
           </a:p>
         </p:txBody>
       </p:sp>
